--- a/base de donnees/GESTION DE  SCOLARITE.pptx
+++ b/base de donnees/GESTION DE  SCOLARITE.pptx
@@ -13,6 +13,7 @@
     <p:sldId id="261" r:id="rId7"/>
     <p:sldId id="262" r:id="rId8"/>
     <p:sldId id="263" r:id="rId9"/>
+    <p:sldId id="264" r:id="rId10"/>
   </p:sldIdLst>
   <p:sldSz cx="9144000" cy="6858000" type="screen4x3"/>
   <p:notesSz cx="6858000" cy="9144000"/>
@@ -7705,13 +7706,23 @@
   </p:clrMapOvr>
   <mc:AlternateContent xmlns:mc="http://schemas.openxmlformats.org/markup-compatibility/2006">
     <mc:Choice xmlns:p14="http://schemas.microsoft.com/office/powerpoint/2010/main" Requires="p14">
-      <p:transition spd="slow" p14:dur="1500" advClick="0" advTm="2000">
+      <p:transition spd="slow" p14:dur="2500" advClick="0" advTm="5000">
         <p:split orient="vert"/>
+        <p:sndAc>
+          <p:stSnd loop="1">
+            <p:snd r:embed="rId2" name="chimes.wav"/>
+          </p:stSnd>
+        </p:sndAc>
       </p:transition>
     </mc:Choice>
     <mc:Fallback>
-      <p:transition spd="slow" advClick="0" advTm="2000">
+      <p:transition spd="slow" advClick="0" advTm="5000">
         <p:split orient="vert"/>
+        <p:sndAc>
+          <p:stSnd loop="1">
+            <p:snd r:embed="rId2" name="chimes.wav"/>
+          </p:stSnd>
+        </p:sndAc>
       </p:transition>
     </mc:Fallback>
   </mc:AlternateContent>
@@ -7777,14 +7788,14 @@
             <p:ph idx="1"/>
             <p:extLst>
               <p:ext uri="{D42A27DB-BD31-4B8C-83A1-F6EECF244321}">
-                <p14:modId xmlns:p14="http://schemas.microsoft.com/office/powerpoint/2010/main" val="97506158"/>
+                <p14:modId xmlns:p14="http://schemas.microsoft.com/office/powerpoint/2010/main" val="671345402"/>
               </p:ext>
             </p:extLst>
           </p:nvPr>
         </p:nvGraphicFramePr>
         <p:xfrm>
           <a:off x="294323" y="2312189"/>
-          <a:ext cx="8555356" cy="3444672"/>
+          <a:ext cx="8555356" cy="3741804"/>
         </p:xfrm>
         <a:graphic>
           <a:graphicData uri="http://schemas.openxmlformats.org/drawingml/2006/table">
@@ -7796,42 +7807,42 @@
                 <a:gridCol w="1425893">
                   <a:extLst>
                     <a:ext uri="{9D8B030D-6E8A-4147-A177-3AD203B41FA5}">
-                      <a16:colId xmlns:a16="http://schemas.microsoft.com/office/drawing/2014/main" val="3825922824"/>
+                      <a16:colId xmlns:a16="http://schemas.microsoft.com/office/drawing/2014/main" xmlns="" val="3825922824"/>
                     </a:ext>
                   </a:extLst>
                 </a:gridCol>
-                <a:gridCol w="3529013">
+                <a:gridCol w="3225271">
                   <a:extLst>
                     <a:ext uri="{9D8B030D-6E8A-4147-A177-3AD203B41FA5}">
-                      <a16:colId xmlns:a16="http://schemas.microsoft.com/office/drawing/2014/main" val="3784969439"/>
+                      <a16:colId xmlns:a16="http://schemas.microsoft.com/office/drawing/2014/main" xmlns="" val="3784969439"/>
                     </a:ext>
                   </a:extLst>
                 </a:gridCol>
-                <a:gridCol w="531495">
+                <a:gridCol w="592428">
                   <a:extLst>
                     <a:ext uri="{9D8B030D-6E8A-4147-A177-3AD203B41FA5}">
-                      <a16:colId xmlns:a16="http://schemas.microsoft.com/office/drawing/2014/main" val="1836193930"/>
+                      <a16:colId xmlns:a16="http://schemas.microsoft.com/office/drawing/2014/main" xmlns="" val="1836193930"/>
                     </a:ext>
                   </a:extLst>
                 </a:gridCol>
-                <a:gridCol w="771525">
+                <a:gridCol w="798491">
                   <a:extLst>
                     <a:ext uri="{9D8B030D-6E8A-4147-A177-3AD203B41FA5}">
-                      <a16:colId xmlns:a16="http://schemas.microsoft.com/office/drawing/2014/main" val="1874329861"/>
+                      <a16:colId xmlns:a16="http://schemas.microsoft.com/office/drawing/2014/main" xmlns="" val="1874329861"/>
                     </a:ext>
                   </a:extLst>
                 </a:gridCol>
-                <a:gridCol w="1028700">
+                <a:gridCol w="1081825">
                   <a:extLst>
                     <a:ext uri="{9D8B030D-6E8A-4147-A177-3AD203B41FA5}">
-                      <a16:colId xmlns:a16="http://schemas.microsoft.com/office/drawing/2014/main" val="1858528894"/>
+                      <a16:colId xmlns:a16="http://schemas.microsoft.com/office/drawing/2014/main" xmlns="" val="1858528894"/>
                     </a:ext>
                   </a:extLst>
                 </a:gridCol>
-                <a:gridCol w="1268730">
+                <a:gridCol w="1431448">
                   <a:extLst>
                     <a:ext uri="{9D8B030D-6E8A-4147-A177-3AD203B41FA5}">
-                      <a16:colId xmlns:a16="http://schemas.microsoft.com/office/drawing/2014/main" val="2509482111"/>
+                      <a16:colId xmlns:a16="http://schemas.microsoft.com/office/drawing/2014/main" xmlns="" val="2509482111"/>
                     </a:ext>
                   </a:extLst>
                 </a:gridCol>
@@ -8019,7 +8030,7 @@
                 </a:tc>
                 <a:extLst>
                   <a:ext uri="{0D108BD9-81ED-4DB2-BD59-A6C34878D82A}">
-                    <a16:rowId xmlns:a16="http://schemas.microsoft.com/office/drawing/2014/main" val="906635523"/>
+                    <a16:rowId xmlns:a16="http://schemas.microsoft.com/office/drawing/2014/main" xmlns="" val="906635523"/>
                   </a:ext>
                 </a:extLst>
               </a:tr>
@@ -8192,7 +8203,7 @@
                 </a:tc>
                 <a:extLst>
                   <a:ext uri="{0D108BD9-81ED-4DB2-BD59-A6C34878D82A}">
-                    <a16:rowId xmlns:a16="http://schemas.microsoft.com/office/drawing/2014/main" val="4269297346"/>
+                    <a16:rowId xmlns:a16="http://schemas.microsoft.com/office/drawing/2014/main" xmlns="" val="4269297346"/>
                   </a:ext>
                 </a:extLst>
               </a:tr>
@@ -8321,7 +8332,7 @@
                 </a:tc>
                 <a:extLst>
                   <a:ext uri="{0D108BD9-81ED-4DB2-BD59-A6C34878D82A}">
-                    <a16:rowId xmlns:a16="http://schemas.microsoft.com/office/drawing/2014/main" val="4022513314"/>
+                    <a16:rowId xmlns:a16="http://schemas.microsoft.com/office/drawing/2014/main" xmlns="" val="4022513314"/>
                   </a:ext>
                 </a:extLst>
               </a:tr>
@@ -8450,7 +8461,7 @@
                 </a:tc>
                 <a:extLst>
                   <a:ext uri="{0D108BD9-81ED-4DB2-BD59-A6C34878D82A}">
-                    <a16:rowId xmlns:a16="http://schemas.microsoft.com/office/drawing/2014/main" val="510753112"/>
+                    <a16:rowId xmlns:a16="http://schemas.microsoft.com/office/drawing/2014/main" xmlns="" val="510753112"/>
                   </a:ext>
                 </a:extLst>
               </a:tr>
@@ -8579,7 +8590,7 @@
                 </a:tc>
                 <a:extLst>
                   <a:ext uri="{0D108BD9-81ED-4DB2-BD59-A6C34878D82A}">
-                    <a16:rowId xmlns:a16="http://schemas.microsoft.com/office/drawing/2014/main" val="4118111389"/>
+                    <a16:rowId xmlns:a16="http://schemas.microsoft.com/office/drawing/2014/main" xmlns="" val="4118111389"/>
                   </a:ext>
                 </a:extLst>
               </a:tr>
@@ -8708,7 +8719,7 @@
                 </a:tc>
                 <a:extLst>
                   <a:ext uri="{0D108BD9-81ED-4DB2-BD59-A6C34878D82A}">
-                    <a16:rowId xmlns:a16="http://schemas.microsoft.com/office/drawing/2014/main" val="4120296915"/>
+                    <a16:rowId xmlns:a16="http://schemas.microsoft.com/office/drawing/2014/main" xmlns="" val="4120296915"/>
                   </a:ext>
                 </a:extLst>
               </a:tr>
@@ -8837,7 +8848,7 @@
                 </a:tc>
                 <a:extLst>
                   <a:ext uri="{0D108BD9-81ED-4DB2-BD59-A6C34878D82A}">
-                    <a16:rowId xmlns:a16="http://schemas.microsoft.com/office/drawing/2014/main" val="1103325013"/>
+                    <a16:rowId xmlns:a16="http://schemas.microsoft.com/office/drawing/2014/main" xmlns="" val="1103325013"/>
                   </a:ext>
                 </a:extLst>
               </a:tr>
@@ -8999,7 +9010,7 @@
                 </a:tc>
                 <a:extLst>
                   <a:ext uri="{0D108BD9-81ED-4DB2-BD59-A6C34878D82A}">
-                    <a16:rowId xmlns:a16="http://schemas.microsoft.com/office/drawing/2014/main" val="259463223"/>
+                    <a16:rowId xmlns:a16="http://schemas.microsoft.com/office/drawing/2014/main" xmlns="" val="259463223"/>
                   </a:ext>
                 </a:extLst>
               </a:tr>
@@ -9128,7 +9139,7 @@
                 </a:tc>
                 <a:extLst>
                   <a:ext uri="{0D108BD9-81ED-4DB2-BD59-A6C34878D82A}">
-                    <a16:rowId xmlns:a16="http://schemas.microsoft.com/office/drawing/2014/main" val="1176565420"/>
+                    <a16:rowId xmlns:a16="http://schemas.microsoft.com/office/drawing/2014/main" xmlns="" val="1176565420"/>
                   </a:ext>
                 </a:extLst>
               </a:tr>
@@ -9279,7 +9290,7 @@
                 </a:tc>
                 <a:extLst>
                   <a:ext uri="{0D108BD9-81ED-4DB2-BD59-A6C34878D82A}">
-                    <a16:rowId xmlns:a16="http://schemas.microsoft.com/office/drawing/2014/main" val="1521951532"/>
+                    <a16:rowId xmlns:a16="http://schemas.microsoft.com/office/drawing/2014/main" xmlns="" val="1521951532"/>
                   </a:ext>
                 </a:extLst>
               </a:tr>
@@ -9299,12 +9310,33 @@
   </p:clrMapOvr>
   <mc:AlternateContent xmlns:mc="http://schemas.openxmlformats.org/markup-compatibility/2006">
     <mc:Choice xmlns:p14="http://schemas.microsoft.com/office/powerpoint/2010/main" Requires="p14">
-      <p:transition spd="slow" p14:dur="1300" advClick="0" advTm="300"/>
+      <p:transition spd="slow" p14:dur="1900" advClick="0" advTm="60300">
+        <p14:glitter pattern="hexagon"/>
+        <p:sndAc>
+          <p:stSnd>
+            <p:snd r:embed="rId2" name="wind.wav"/>
+          </p:stSnd>
+        </p:sndAc>
+      </p:transition>
     </mc:Choice>
     <mc:Fallback>
-      <p:transition spd="slow" advClick="0" advTm="300"/>
+      <p:transition spd="slow" advClick="0" advTm="60300">
+        <p:fade/>
+        <p:sndAc>
+          <p:stSnd>
+            <p:snd r:embed="rId2" name="wind.wav"/>
+          </p:stSnd>
+        </p:sndAc>
+      </p:transition>
     </mc:Fallback>
   </mc:AlternateContent>
+  <p:timing>
+    <p:tnLst>
+      <p:par>
+        <p:cTn id="1" dur="indefinite" restart="never" nodeType="tmRoot"/>
+      </p:par>
+    </p:tnLst>
+  </p:timing>
 </p:sld>
 </file>
 
@@ -9363,14 +9395,14 @@
             <p:ph idx="1"/>
             <p:extLst>
               <p:ext uri="{D42A27DB-BD31-4B8C-83A1-F6EECF244321}">
-                <p14:modId xmlns:p14="http://schemas.microsoft.com/office/powerpoint/2010/main" val="2140854818"/>
+                <p14:modId xmlns:p14="http://schemas.microsoft.com/office/powerpoint/2010/main" val="1022657636"/>
               </p:ext>
             </p:extLst>
           </p:nvPr>
         </p:nvGraphicFramePr>
         <p:xfrm>
           <a:off x="294323" y="1731645"/>
-          <a:ext cx="8555356" cy="4322728"/>
+          <a:ext cx="8708009" cy="4333540"/>
         </p:xfrm>
         <a:graphic>
           <a:graphicData uri="http://schemas.openxmlformats.org/drawingml/2006/table">
@@ -9379,45 +9411,45 @@
                 <a:tableStyleId>{5C22544A-7EE6-4342-B048-85BDC9FD1C3A}</a:tableStyleId>
               </a:tblPr>
               <a:tblGrid>
-                <a:gridCol w="1425893">
+                <a:gridCol w="1212505">
                   <a:extLst>
                     <a:ext uri="{9D8B030D-6E8A-4147-A177-3AD203B41FA5}">
-                      <a16:colId xmlns:a16="http://schemas.microsoft.com/office/drawing/2014/main" val="2269278430"/>
+                      <a16:colId xmlns:a16="http://schemas.microsoft.com/office/drawing/2014/main" xmlns="" val="2269278430"/>
                     </a:ext>
                   </a:extLst>
                 </a:gridCol>
-                <a:gridCol w="3577590">
+                <a:gridCol w="3593206">
                   <a:extLst>
                     <a:ext uri="{9D8B030D-6E8A-4147-A177-3AD203B41FA5}">
-                      <a16:colId xmlns:a16="http://schemas.microsoft.com/office/drawing/2014/main" val="2393006325"/>
+                      <a16:colId xmlns:a16="http://schemas.microsoft.com/office/drawing/2014/main" xmlns="" val="2393006325"/>
                     </a:ext>
                   </a:extLst>
                 </a:gridCol>
-                <a:gridCol w="551498">
+                <a:gridCol w="515155">
                   <a:extLst>
                     <a:ext uri="{9D8B030D-6E8A-4147-A177-3AD203B41FA5}">
-                      <a16:colId xmlns:a16="http://schemas.microsoft.com/office/drawing/2014/main" val="4183386302"/>
+                      <a16:colId xmlns:a16="http://schemas.microsoft.com/office/drawing/2014/main" xmlns="" val="4183386302"/>
                     </a:ext>
                   </a:extLst>
                 </a:gridCol>
-                <a:gridCol w="737235">
+                <a:gridCol w="811369">
                   <a:extLst>
                     <a:ext uri="{9D8B030D-6E8A-4147-A177-3AD203B41FA5}">
-                      <a16:colId xmlns:a16="http://schemas.microsoft.com/office/drawing/2014/main" val="356170166"/>
+                      <a16:colId xmlns:a16="http://schemas.microsoft.com/office/drawing/2014/main" xmlns="" val="356170166"/>
                     </a:ext>
                   </a:extLst>
                 </a:gridCol>
-                <a:gridCol w="1011555">
+                <a:gridCol w="1107583">
                   <a:extLst>
                     <a:ext uri="{9D8B030D-6E8A-4147-A177-3AD203B41FA5}">
-                      <a16:colId xmlns:a16="http://schemas.microsoft.com/office/drawing/2014/main" val="3933570693"/>
+                      <a16:colId xmlns:a16="http://schemas.microsoft.com/office/drawing/2014/main" xmlns="" val="3933570693"/>
                     </a:ext>
                   </a:extLst>
                 </a:gridCol>
-                <a:gridCol w="1251585">
+                <a:gridCol w="1468191">
                   <a:extLst>
                     <a:ext uri="{9D8B030D-6E8A-4147-A177-3AD203B41FA5}">
-                      <a16:colId xmlns:a16="http://schemas.microsoft.com/office/drawing/2014/main" val="958643643"/>
+                      <a16:colId xmlns:a16="http://schemas.microsoft.com/office/drawing/2014/main" xmlns="" val="958643643"/>
                     </a:ext>
                   </a:extLst>
                 </a:gridCol>
@@ -9509,7 +9541,7 @@
                 </a:tc>
                 <a:extLst>
                   <a:ext uri="{0D108BD9-81ED-4DB2-BD59-A6C34878D82A}">
-                    <a16:rowId xmlns:a16="http://schemas.microsoft.com/office/drawing/2014/main" val="4132608434"/>
+                    <a16:rowId xmlns:a16="http://schemas.microsoft.com/office/drawing/2014/main" xmlns="" val="4132608434"/>
                   </a:ext>
                 </a:extLst>
               </a:tr>
@@ -9638,7 +9670,7 @@
                 </a:tc>
                 <a:extLst>
                   <a:ext uri="{0D108BD9-81ED-4DB2-BD59-A6C34878D82A}">
-                    <a16:rowId xmlns:a16="http://schemas.microsoft.com/office/drawing/2014/main" val="4163942195"/>
+                    <a16:rowId xmlns:a16="http://schemas.microsoft.com/office/drawing/2014/main" xmlns="" val="4163942195"/>
                   </a:ext>
                 </a:extLst>
               </a:tr>
@@ -9767,7 +9799,7 @@
                 </a:tc>
                 <a:extLst>
                   <a:ext uri="{0D108BD9-81ED-4DB2-BD59-A6C34878D82A}">
-                    <a16:rowId xmlns:a16="http://schemas.microsoft.com/office/drawing/2014/main" val="3646006773"/>
+                    <a16:rowId xmlns:a16="http://schemas.microsoft.com/office/drawing/2014/main" xmlns="" val="3646006773"/>
                   </a:ext>
                 </a:extLst>
               </a:tr>
@@ -9896,7 +9928,7 @@
                 </a:tc>
                 <a:extLst>
                   <a:ext uri="{0D108BD9-81ED-4DB2-BD59-A6C34878D82A}">
-                    <a16:rowId xmlns:a16="http://schemas.microsoft.com/office/drawing/2014/main" val="1906655865"/>
+                    <a16:rowId xmlns:a16="http://schemas.microsoft.com/office/drawing/2014/main" xmlns="" val="1906655865"/>
                   </a:ext>
                 </a:extLst>
               </a:tr>
@@ -10025,7 +10057,7 @@
                 </a:tc>
                 <a:extLst>
                   <a:ext uri="{0D108BD9-81ED-4DB2-BD59-A6C34878D82A}">
-                    <a16:rowId xmlns:a16="http://schemas.microsoft.com/office/drawing/2014/main" val="134194591"/>
+                    <a16:rowId xmlns:a16="http://schemas.microsoft.com/office/drawing/2014/main" xmlns="" val="134194591"/>
                   </a:ext>
                 </a:extLst>
               </a:tr>
@@ -10154,7 +10186,7 @@
                 </a:tc>
                 <a:extLst>
                   <a:ext uri="{0D108BD9-81ED-4DB2-BD59-A6C34878D82A}">
-                    <a16:rowId xmlns:a16="http://schemas.microsoft.com/office/drawing/2014/main" val="2347236640"/>
+                    <a16:rowId xmlns:a16="http://schemas.microsoft.com/office/drawing/2014/main" xmlns="" val="2347236640"/>
                   </a:ext>
                 </a:extLst>
               </a:tr>
@@ -10349,7 +10381,7 @@
                 </a:tc>
                 <a:extLst>
                   <a:ext uri="{0D108BD9-81ED-4DB2-BD59-A6C34878D82A}">
-                    <a16:rowId xmlns:a16="http://schemas.microsoft.com/office/drawing/2014/main" val="3248916640"/>
+                    <a16:rowId xmlns:a16="http://schemas.microsoft.com/office/drawing/2014/main" xmlns="" val="3248916640"/>
                   </a:ext>
                 </a:extLst>
               </a:tr>
@@ -10478,7 +10510,7 @@
                 </a:tc>
                 <a:extLst>
                   <a:ext uri="{0D108BD9-81ED-4DB2-BD59-A6C34878D82A}">
-                    <a16:rowId xmlns:a16="http://schemas.microsoft.com/office/drawing/2014/main" val="2806147903"/>
+                    <a16:rowId xmlns:a16="http://schemas.microsoft.com/office/drawing/2014/main" xmlns="" val="2806147903"/>
                   </a:ext>
                 </a:extLst>
               </a:tr>
@@ -10607,7 +10639,7 @@
                 </a:tc>
                 <a:extLst>
                   <a:ext uri="{0D108BD9-81ED-4DB2-BD59-A6C34878D82A}">
-                    <a16:rowId xmlns:a16="http://schemas.microsoft.com/office/drawing/2014/main" val="492140199"/>
+                    <a16:rowId xmlns:a16="http://schemas.microsoft.com/office/drawing/2014/main" xmlns="" val="492140199"/>
                   </a:ext>
                 </a:extLst>
               </a:tr>
@@ -10736,7 +10768,7 @@
                 </a:tc>
                 <a:extLst>
                   <a:ext uri="{0D108BD9-81ED-4DB2-BD59-A6C34878D82A}">
-                    <a16:rowId xmlns:a16="http://schemas.microsoft.com/office/drawing/2014/main" val="2572557971"/>
+                    <a16:rowId xmlns:a16="http://schemas.microsoft.com/office/drawing/2014/main" xmlns="" val="2572557971"/>
                   </a:ext>
                 </a:extLst>
               </a:tr>
@@ -10909,7 +10941,7 @@
                 </a:tc>
                 <a:extLst>
                   <a:ext uri="{0D108BD9-81ED-4DB2-BD59-A6C34878D82A}">
-                    <a16:rowId xmlns:a16="http://schemas.microsoft.com/office/drawing/2014/main" val="2896179026"/>
+                    <a16:rowId xmlns:a16="http://schemas.microsoft.com/office/drawing/2014/main" xmlns="" val="2896179026"/>
                   </a:ext>
                 </a:extLst>
               </a:tr>
@@ -10927,14 +10959,21 @@
   <p:clrMapOvr>
     <a:masterClrMapping/>
   </p:clrMapOvr>
-  <mc:AlternateContent xmlns:mc="http://schemas.openxmlformats.org/markup-compatibility/2006">
-    <mc:Choice xmlns:p14="http://schemas.microsoft.com/office/powerpoint/2010/main" Requires="p14">
-      <p:transition spd="slow" p14:dur="2000" advTm="300"/>
-    </mc:Choice>
-    <mc:Fallback>
-      <p:transition spd="slow" advTm="300"/>
-    </mc:Fallback>
-  </mc:AlternateContent>
+  <p:transition spd="slow" advTm="60300">
+    <p:push dir="u"/>
+    <p:sndAc>
+      <p:stSnd loop="1">
+        <p:snd r:embed="rId2" name="click.wav"/>
+      </p:stSnd>
+    </p:sndAc>
+  </p:transition>
+  <p:timing>
+    <p:tnLst>
+      <p:par>
+        <p:cTn id="1" dur="indefinite" restart="never" nodeType="tmRoot"/>
+      </p:par>
+    </p:tnLst>
+  </p:timing>
 </p:sld>
 </file>
 
@@ -11610,12 +11649,33 @@
   </p:clrMapOvr>
   <mc:AlternateContent xmlns:mc="http://schemas.openxmlformats.org/markup-compatibility/2006">
     <mc:Choice xmlns:p14="http://schemas.microsoft.com/office/powerpoint/2010/main" Requires="p14">
-      <p:transition spd="slow" p14:dur="2000" advClick="0" advTm="2000"/>
+      <p:transition spd="slow" p14:dur="1400" advClick="0" advTm="122000">
+        <p14:ripple/>
+        <p:sndAc>
+          <p:stSnd loop="1">
+            <p:snd r:embed="rId2" name="explode.wav"/>
+          </p:stSnd>
+        </p:sndAc>
+      </p:transition>
     </mc:Choice>
     <mc:Fallback>
-      <p:transition spd="slow" advClick="0" advTm="2000"/>
+      <p:transition spd="slow" advClick="0" advTm="122000">
+        <p:fade/>
+        <p:sndAc>
+          <p:stSnd loop="1">
+            <p:snd r:embed="rId2" name="explode.wav"/>
+          </p:stSnd>
+        </p:sndAc>
+      </p:transition>
     </mc:Fallback>
   </mc:AlternateContent>
+  <p:timing>
+    <p:tnLst>
+      <p:par>
+        <p:cTn id="1" dur="indefinite" restart="never" nodeType="tmRoot"/>
+      </p:par>
+    </p:tnLst>
+  </p:timing>
 </p:sld>
 </file>
 
@@ -11790,12 +11850,33 @@
   </p:clrMapOvr>
   <mc:AlternateContent xmlns:mc="http://schemas.openxmlformats.org/markup-compatibility/2006">
     <mc:Choice xmlns:p14="http://schemas.microsoft.com/office/powerpoint/2010/main" Requires="p14">
-      <p:transition spd="slow" p14:dur="2000" advTm="400"/>
+      <p:transition spd="slow" p14:dur="1600" advClick="0" advTm="10400">
+        <p14:prism isContent="1" isInverted="1"/>
+        <p:sndAc>
+          <p:stSnd>
+            <p:snd r:embed="rId2" name="hammer.wav"/>
+          </p:stSnd>
+        </p:sndAc>
+      </p:transition>
     </mc:Choice>
     <mc:Fallback>
-      <p:transition spd="slow" advTm="400"/>
+      <p:transition spd="slow" advClick="0" advTm="10400">
+        <p:fade/>
+        <p:sndAc>
+          <p:stSnd>
+            <p:snd r:embed="rId2" name="hammer.wav"/>
+          </p:stSnd>
+        </p:sndAc>
+      </p:transition>
     </mc:Fallback>
   </mc:AlternateContent>
+  <p:timing>
+    <p:tnLst>
+      <p:par>
+        <p:cTn id="1" dur="indefinite" restart="never" nodeType="tmRoot"/>
+      </p:par>
+    </p:tnLst>
+  </p:timing>
 </p:sld>
 </file>
 
@@ -11865,7 +11946,11 @@
             </a:r>
             <a:r>
               <a:rPr lang="fr-FR" dirty="0" smtClean="0"/>
-              <a:t>												 		INSCRIPTION</a:t>
+              <a:t>												 		</a:t>
+            </a:r>
+            <a:r>
+              <a:rPr lang="fr-FR" dirty="0" smtClean="0"/>
+              <a:t> 			       INSCRIPTION</a:t>
             </a:r>
             <a:r>
               <a:rPr lang="fr-FR" sz="2400" dirty="0" smtClean="0"/>
@@ -11890,7 +11975,11 @@
             </a:pPr>
             <a:r>
               <a:rPr lang="en-US" dirty="0" smtClean="0"/>
-              <a:t>				Anne,#CodefiLLibFil,Cout</a:t>
+              <a:t>				Anne,#</a:t>
+            </a:r>
+            <a:r>
+              <a:rPr lang="en-US" dirty="0" err="1" smtClean="0"/>
+              <a:t>CodefiL,LibFil,Cout</a:t>
             </a:r>
             <a:r>
               <a:rPr lang="en-US" dirty="0"/>
@@ -12117,14 +12206,21 @@
   <p:clrMapOvr>
     <a:masterClrMapping/>
   </p:clrMapOvr>
-  <mc:AlternateContent xmlns:mc="http://schemas.openxmlformats.org/markup-compatibility/2006">
-    <mc:Choice xmlns:p14="http://schemas.microsoft.com/office/powerpoint/2010/main" Requires="p14">
-      <p:transition spd="slow" p14:dur="2000" advTm="2000"/>
-    </mc:Choice>
-    <mc:Fallback>
-      <p:transition spd="slow" advTm="2000"/>
-    </mc:Fallback>
-  </mc:AlternateContent>
+  <p:transition spd="slow" advTm="62000">
+    <p:cover/>
+    <p:sndAc>
+      <p:stSnd>
+        <p:snd r:embed="rId2" name="click.wav"/>
+      </p:stSnd>
+    </p:sndAc>
+  </p:transition>
+  <p:timing>
+    <p:tnLst>
+      <p:par>
+        <p:cTn id="1" dur="indefinite" restart="never" nodeType="tmRoot"/>
+      </p:par>
+    </p:tnLst>
+  </p:timing>
 </p:sld>
 </file>
 
@@ -12157,13 +12253,13 @@
         </p:nvSpPr>
         <p:spPr>
           <a:xfrm>
-            <a:off x="628650" y="994410"/>
-            <a:ext cx="7886700" cy="5006340"/>
+            <a:off x="628649" y="656823"/>
+            <a:ext cx="8025953" cy="6040191"/>
           </a:xfrm>
         </p:spPr>
         <p:txBody>
           <a:bodyPr>
-            <a:normAutofit fontScale="70000" lnSpcReduction="20000"/>
+            <a:normAutofit fontScale="92500" lnSpcReduction="20000"/>
           </a:bodyPr>
           <a:lstStyle/>
           <a:p>
@@ -12493,14 +12589,14 @@
   <p:clrMapOvr>
     <a:masterClrMapping/>
   </p:clrMapOvr>
-  <mc:AlternateContent xmlns:mc="http://schemas.openxmlformats.org/markup-compatibility/2006">
-    <mc:Choice xmlns:p14="http://schemas.microsoft.com/office/powerpoint/2010/main" Requires="p14">
-      <p:transition spd="slow" p14:dur="2000" advTm="2000"/>
-    </mc:Choice>
-    <mc:Fallback>
-      <p:transition spd="slow" advTm="2000"/>
-    </mc:Fallback>
-  </mc:AlternateContent>
+  <p:transition spd="slow" advClick="0" advTm="62000">
+    <p:cover/>
+    <p:sndAc>
+      <p:stSnd>
+        <p:snd r:embed="rId2" name="click.wav"/>
+      </p:stSnd>
+    </p:sndAc>
+  </p:transition>
   <p:timing>
     <p:tnLst>
       <p:par>
@@ -13171,12 +13267,12 @@
   </p:clrMapOvr>
   <mc:AlternateContent xmlns:mc="http://schemas.openxmlformats.org/markup-compatibility/2006">
     <mc:Choice xmlns:p14="http://schemas.microsoft.com/office/powerpoint/2010/main" Requires="p14">
-      <p:transition spd="med" p14:dur="700" advTm="2000">
-        <p:fade/>
+      <p:transition spd="slow" p14:dur="1500" advTm="62000">
+        <p14:window dir="vert"/>
       </p:transition>
     </mc:Choice>
     <mc:Fallback>
-      <p:transition spd="med" advTm="2000">
+      <p:transition spd="slow" advTm="62000">
         <p:fade/>
       </p:transition>
     </mc:Fallback>
@@ -13187,6 +13283,235 @@
         <p:cTn id="1" dur="indefinite" restart="never" nodeType="tmRoot"/>
       </p:par>
     </p:tnLst>
+  </p:timing>
+</p:sld>
+</file>
+
+<file path=ppt/slides/slide9.xml><?xml version="1.0" encoding="utf-8"?>
+<p:sld xmlns:a="http://schemas.openxmlformats.org/drawingml/2006/main" xmlns:r="http://schemas.openxmlformats.org/officeDocument/2006/relationships" xmlns:p="http://schemas.openxmlformats.org/presentationml/2006/main">
+  <p:cSld>
+    <p:spTree>
+      <p:nvGrpSpPr>
+        <p:cNvPr id="1" name=""/>
+        <p:cNvGrpSpPr/>
+        <p:nvPr/>
+      </p:nvGrpSpPr>
+      <p:grpSpPr>
+        <a:xfrm>
+          <a:off x="0" y="0"/>
+          <a:ext cx="0" cy="0"/>
+          <a:chOff x="0" y="0"/>
+          <a:chExt cx="0" cy="0"/>
+        </a:xfrm>
+      </p:grpSpPr>
+      <p:sp>
+        <p:nvSpPr>
+          <p:cNvPr id="3" name="Espace réservé du contenu 2"/>
+          <p:cNvSpPr>
+            <a:spLocks noGrp="1"/>
+          </p:cNvSpPr>
+          <p:nvPr>
+            <p:ph idx="1"/>
+          </p:nvPr>
+        </p:nvSpPr>
+        <p:spPr>
+          <a:xfrm>
+            <a:off x="489398" y="2021982"/>
+            <a:ext cx="8096518" cy="2678807"/>
+          </a:xfrm>
+          <a:effectLst>
+            <a:outerShdw blurRad="50800" dist="38100" algn="l" rotWithShape="0">
+              <a:prstClr val="black">
+                <a:alpha val="40000"/>
+              </a:prstClr>
+            </a:outerShdw>
+          </a:effectLst>
+        </p:spPr>
+        <p:txBody>
+          <a:bodyPr>
+            <a:normAutofit/>
+          </a:bodyPr>
+          <a:lstStyle/>
+          <a:p>
+            <a:pPr marL="457200" lvl="1" indent="0" algn="ctr">
+              <a:buNone/>
+            </a:pPr>
+            <a:r>
+              <a:rPr lang="fr-FR" sz="4800" b="1" dirty="0" smtClean="0"/>
+              <a:t>MERCI POUR VOTRE ATTENTION</a:t>
+            </a:r>
+            <a:endParaRPr lang="fr-FR" sz="4800" b="1" dirty="0"/>
+          </a:p>
+        </p:txBody>
+      </p:sp>
+    </p:spTree>
+    <p:extLst>
+      <p:ext uri="{BB962C8B-B14F-4D97-AF65-F5344CB8AC3E}">
+        <p14:creationId xmlns:p14="http://schemas.microsoft.com/office/powerpoint/2010/main" val="509369888"/>
+      </p:ext>
+    </p:extLst>
+  </p:cSld>
+  <p:clrMapOvr>
+    <a:masterClrMapping/>
+  </p:clrMapOvr>
+  <p:transition spd="slow" advTm="30000">
+    <p:push dir="u"/>
+    <p:sndAc>
+      <p:stSnd loop="1">
+        <p:snd r:embed="rId2" name="applause.wav"/>
+      </p:stSnd>
+    </p:sndAc>
+  </p:transition>
+  <p:timing>
+    <p:tnLst>
+      <p:par>
+        <p:cTn id="1" dur="indefinite" restart="never" nodeType="tmRoot">
+          <p:childTnLst>
+            <p:seq concurrent="1" nextAc="seek">
+              <p:cTn id="2" dur="indefinite" nodeType="mainSeq">
+                <p:childTnLst>
+                  <p:par>
+                    <p:cTn id="3" fill="hold">
+                      <p:stCondLst>
+                        <p:cond delay="indefinite"/>
+                        <p:cond evt="onBegin" delay="0">
+                          <p:tn val="2"/>
+                        </p:cond>
+                      </p:stCondLst>
+                      <p:childTnLst>
+                        <p:par>
+                          <p:cTn id="4" fill="hold">
+                            <p:stCondLst>
+                              <p:cond delay="0"/>
+                            </p:stCondLst>
+                            <p:childTnLst>
+                              <p:par>
+                                <p:cTn id="5" presetID="42" presetClass="entr" presetSubtype="0" fill="hold" grpId="0" nodeType="withEffect">
+                                  <p:stCondLst>
+                                    <p:cond delay="0"/>
+                                  </p:stCondLst>
+                                  <p:childTnLst>
+                                    <p:set>
+                                      <p:cBhvr>
+                                        <p:cTn id="6" dur="1" fill="hold">
+                                          <p:stCondLst>
+                                            <p:cond delay="0"/>
+                                          </p:stCondLst>
+                                        </p:cTn>
+                                        <p:tgtEl>
+                                          <p:spTgt spid="3">
+                                            <p:txEl>
+                                              <p:pRg st="0" end="0"/>
+                                            </p:txEl>
+                                          </p:spTgt>
+                                        </p:tgtEl>
+                                        <p:attrNameLst>
+                                          <p:attrName>style.visibility</p:attrName>
+                                        </p:attrNameLst>
+                                      </p:cBhvr>
+                                      <p:to>
+                                        <p:strVal val="visible"/>
+                                      </p:to>
+                                    </p:set>
+                                    <p:animEffect transition="in" filter="fade">
+                                      <p:cBhvr>
+                                        <p:cTn id="7" dur="1000"/>
+                                        <p:tgtEl>
+                                          <p:spTgt spid="3">
+                                            <p:txEl>
+                                              <p:pRg st="0" end="0"/>
+                                            </p:txEl>
+                                          </p:spTgt>
+                                        </p:tgtEl>
+                                      </p:cBhvr>
+                                    </p:animEffect>
+                                    <p:anim calcmode="lin" valueType="num">
+                                      <p:cBhvr>
+                                        <p:cTn id="8" dur="1000" fill="hold"/>
+                                        <p:tgtEl>
+                                          <p:spTgt spid="3">
+                                            <p:txEl>
+                                              <p:pRg st="0" end="0"/>
+                                            </p:txEl>
+                                          </p:spTgt>
+                                        </p:tgtEl>
+                                        <p:attrNameLst>
+                                          <p:attrName>ppt_x</p:attrName>
+                                        </p:attrNameLst>
+                                      </p:cBhvr>
+                                      <p:tavLst>
+                                        <p:tav tm="0">
+                                          <p:val>
+                                            <p:strVal val="#ppt_x"/>
+                                          </p:val>
+                                        </p:tav>
+                                        <p:tav tm="100000">
+                                          <p:val>
+                                            <p:strVal val="#ppt_x"/>
+                                          </p:val>
+                                        </p:tav>
+                                      </p:tavLst>
+                                    </p:anim>
+                                    <p:anim calcmode="lin" valueType="num">
+                                      <p:cBhvr>
+                                        <p:cTn id="9" dur="1000" fill="hold"/>
+                                        <p:tgtEl>
+                                          <p:spTgt spid="3">
+                                            <p:txEl>
+                                              <p:pRg st="0" end="0"/>
+                                            </p:txEl>
+                                          </p:spTgt>
+                                        </p:tgtEl>
+                                        <p:attrNameLst>
+                                          <p:attrName>ppt_y</p:attrName>
+                                        </p:attrNameLst>
+                                      </p:cBhvr>
+                                      <p:tavLst>
+                                        <p:tav tm="0">
+                                          <p:val>
+                                            <p:strVal val="#ppt_y+.1"/>
+                                          </p:val>
+                                        </p:tav>
+                                        <p:tav tm="100000">
+                                          <p:val>
+                                            <p:strVal val="#ppt_y"/>
+                                          </p:val>
+                                        </p:tav>
+                                      </p:tavLst>
+                                    </p:anim>
+                                  </p:childTnLst>
+                                </p:cTn>
+                              </p:par>
+                            </p:childTnLst>
+                          </p:cTn>
+                        </p:par>
+                      </p:childTnLst>
+                    </p:cTn>
+                  </p:par>
+                </p:childTnLst>
+              </p:cTn>
+              <p:prevCondLst>
+                <p:cond evt="onPrev" delay="0">
+                  <p:tgtEl>
+                    <p:sldTgt/>
+                  </p:tgtEl>
+                </p:cond>
+              </p:prevCondLst>
+              <p:nextCondLst>
+                <p:cond evt="onNext" delay="0">
+                  <p:tgtEl>
+                    <p:sldTgt/>
+                  </p:tgtEl>
+                </p:cond>
+              </p:nextCondLst>
+            </p:seq>
+          </p:childTnLst>
+        </p:cTn>
+      </p:par>
+    </p:tnLst>
+    <p:bldLst>
+      <p:bldP spid="3" grpId="0" build="p"/>
+    </p:bldLst>
   </p:timing>
 </p:sld>
 </file>
@@ -13234,7 +13559,7 @@
     </a:clrScheme>
     <a:fontScheme name="Brin">
       <a:majorFont>
-        <a:latin typeface="Century Gothic" panose="020B0502020202020204"/>
+        <a:latin typeface="Century Gothic"/>
         <a:ea typeface=""/>
         <a:cs typeface=""/>
         <a:font script="Jpan" typeface="メイリオ"/>
@@ -13269,7 +13594,7 @@
         <a:font script="Geor" typeface="Sylfaen"/>
       </a:majorFont>
       <a:minorFont>
-        <a:latin typeface="Century Gothic" panose="020B0502020202020204"/>
+        <a:latin typeface="Century Gothic"/>
         <a:ea typeface=""/>
         <a:cs typeface=""/>
         <a:font script="Jpan" typeface="メイリオ"/>
@@ -13428,7 +13753,7 @@
   <a:extraClrSchemeLst/>
   <a:extLst>
     <a:ext uri="{05A4C25C-085E-4340-85A3-A5531E510DB2}">
-      <thm15:themeFamily xmlns:thm15="http://schemas.microsoft.com/office/thememl/2012/main" name="Wisp" id="{7CB32D59-10C0-40DD-B7BD-2E94284A981C}" vid="{24B1A44C-C006-48B2-A4D7-E5549B3D8CD4}"/>
+      <thm15:themeFamily xmlns:thm15="http://schemas.microsoft.com/office/thememl/2012/main" xmlns="" name="Wisp" id="{7CB32D59-10C0-40DD-B7BD-2E94284A981C}" vid="{24B1A44C-C006-48B2-A4D7-E5549B3D8CD4}"/>
     </a:ext>
   </a:extLst>
 </a:theme>
